--- a/PresentationForProject.pptx
+++ b/PresentationForProject.pptx
@@ -11,8 +11,9 @@
     <p:sldId id="265" r:id="rId5"/>
     <p:sldId id="270" r:id="rId6"/>
     <p:sldId id="271" r:id="rId7"/>
-    <p:sldId id="259" r:id="rId8"/>
-    <p:sldId id="269" r:id="rId9"/>
+    <p:sldId id="272" r:id="rId8"/>
+    <p:sldId id="259" r:id="rId9"/>
+    <p:sldId id="269" r:id="rId10"/>
   </p:sldIdLst>
   <p:sldSz cx="9144000" cy="6858000" type="screen4x3"/>
   <p:notesSz cx="6858000" cy="9144000"/>
@@ -277,7 +278,7 @@
           <a:p>
             <a:fld id="{1C6C5137-298B-4572-B216-1B177E9C93A2}" type="datetimeFigureOut">
               <a:rPr lang="ru-RU" smtClean="0"/>
-              <a:t>07.01.2021</a:t>
+              <a:t>13.01.2021</a:t>
             </a:fld>
             <a:endParaRPr lang="ru-RU" dirty="0"/>
           </a:p>
@@ -475,7 +476,7 @@
           <a:p>
             <a:fld id="{1C6C5137-298B-4572-B216-1B177E9C93A2}" type="datetimeFigureOut">
               <a:rPr lang="ru-RU" smtClean="0"/>
-              <a:t>07.01.2021</a:t>
+              <a:t>13.01.2021</a:t>
             </a:fld>
             <a:endParaRPr lang="ru-RU" dirty="0"/>
           </a:p>
@@ -683,7 +684,7 @@
           <a:p>
             <a:fld id="{1C6C5137-298B-4572-B216-1B177E9C93A2}" type="datetimeFigureOut">
               <a:rPr lang="ru-RU" smtClean="0"/>
-              <a:t>07.01.2021</a:t>
+              <a:t>13.01.2021</a:t>
             </a:fld>
             <a:endParaRPr lang="ru-RU" dirty="0"/>
           </a:p>
@@ -881,7 +882,7 @@
           <a:p>
             <a:fld id="{1C6C5137-298B-4572-B216-1B177E9C93A2}" type="datetimeFigureOut">
               <a:rPr lang="ru-RU" smtClean="0"/>
-              <a:t>07.01.2021</a:t>
+              <a:t>13.01.2021</a:t>
             </a:fld>
             <a:endParaRPr lang="ru-RU" dirty="0"/>
           </a:p>
@@ -1156,7 +1157,7 @@
           <a:p>
             <a:fld id="{1C6C5137-298B-4572-B216-1B177E9C93A2}" type="datetimeFigureOut">
               <a:rPr lang="ru-RU" smtClean="0"/>
-              <a:t>07.01.2021</a:t>
+              <a:t>13.01.2021</a:t>
             </a:fld>
             <a:endParaRPr lang="ru-RU" dirty="0"/>
           </a:p>
@@ -1421,7 +1422,7 @@
           <a:p>
             <a:fld id="{1C6C5137-298B-4572-B216-1B177E9C93A2}" type="datetimeFigureOut">
               <a:rPr lang="ru-RU" smtClean="0"/>
-              <a:t>07.01.2021</a:t>
+              <a:t>13.01.2021</a:t>
             </a:fld>
             <a:endParaRPr lang="ru-RU" dirty="0"/>
           </a:p>
@@ -1833,7 +1834,7 @@
           <a:p>
             <a:fld id="{1C6C5137-298B-4572-B216-1B177E9C93A2}" type="datetimeFigureOut">
               <a:rPr lang="ru-RU" smtClean="0"/>
-              <a:t>07.01.2021</a:t>
+              <a:t>13.01.2021</a:t>
             </a:fld>
             <a:endParaRPr lang="ru-RU" dirty="0"/>
           </a:p>
@@ -1974,7 +1975,7 @@
           <a:p>
             <a:fld id="{1C6C5137-298B-4572-B216-1B177E9C93A2}" type="datetimeFigureOut">
               <a:rPr lang="ru-RU" smtClean="0"/>
-              <a:t>07.01.2021</a:t>
+              <a:t>13.01.2021</a:t>
             </a:fld>
             <a:endParaRPr lang="ru-RU" dirty="0"/>
           </a:p>
@@ -2087,7 +2088,7 @@
           <a:p>
             <a:fld id="{1C6C5137-298B-4572-B216-1B177E9C93A2}" type="datetimeFigureOut">
               <a:rPr lang="ru-RU" smtClean="0"/>
-              <a:t>07.01.2021</a:t>
+              <a:t>13.01.2021</a:t>
             </a:fld>
             <a:endParaRPr lang="ru-RU" dirty="0"/>
           </a:p>
@@ -2398,7 +2399,7 @@
           <a:p>
             <a:fld id="{1C6C5137-298B-4572-B216-1B177E9C93A2}" type="datetimeFigureOut">
               <a:rPr lang="ru-RU" smtClean="0"/>
-              <a:t>07.01.2021</a:t>
+              <a:t>13.01.2021</a:t>
             </a:fld>
             <a:endParaRPr lang="ru-RU" dirty="0"/>
           </a:p>
@@ -2686,7 +2687,7 @@
           <a:p>
             <a:fld id="{1C6C5137-298B-4572-B216-1B177E9C93A2}" type="datetimeFigureOut">
               <a:rPr lang="ru-RU" smtClean="0"/>
-              <a:t>07.01.2021</a:t>
+              <a:t>13.01.2021</a:t>
             </a:fld>
             <a:endParaRPr lang="ru-RU" dirty="0"/>
           </a:p>
@@ -2927,7 +2928,7 @@
           <a:p>
             <a:fld id="{1C6C5137-298B-4572-B216-1B177E9C93A2}" type="datetimeFigureOut">
               <a:rPr lang="ru-RU" smtClean="0"/>
-              <a:t>07.01.2021</a:t>
+              <a:t>13.01.2021</a:t>
             </a:fld>
             <a:endParaRPr lang="ru-RU" dirty="0"/>
           </a:p>
@@ -3369,8 +3370,21 @@
             <a:pPr algn="ctr"/>
             <a:r>
               <a:rPr lang="ru-RU" sz="4800" dirty="0"/>
-              <a:t>Игра рассказывающая историю лицея 393</a:t>
-            </a:r>
+              <a:t>Игра рассказывающая историю </a:t>
+            </a:r>
+            <a:r>
+              <a:rPr lang="ru-RU" sz="4800"/>
+              <a:t>лицея </a:t>
+            </a:r>
+            <a:r>
+              <a:rPr lang="ru-RU" sz="4800"/>
+              <a:t>№</a:t>
+            </a:r>
+            <a:r>
+              <a:rPr lang="ru-RU" sz="4800" smtClean="0"/>
+              <a:t>393</a:t>
+            </a:r>
+            <a:endParaRPr lang="ru-RU" sz="4800" dirty="0"/>
           </a:p>
         </p:txBody>
       </p:sp>
@@ -3582,7 +3596,15 @@
           <a:p>
             <a:r>
               <a:rPr lang="ru-RU" dirty="0"/>
-              <a:t>Давайте рассмотрим некоторые возможности подробнее</a:t>
+              <a:t>Давайте рассмотрим </a:t>
+            </a:r>
+            <a:r>
+              <a:rPr lang="ru-RU" dirty="0" smtClean="0"/>
+              <a:t>некоторые аспекты </a:t>
+            </a:r>
+            <a:r>
+              <a:rPr lang="ru-RU" dirty="0"/>
+              <a:t>подробнее</a:t>
             </a:r>
           </a:p>
         </p:txBody>
@@ -3633,66 +3655,139 @@
           <a:lstStyle/>
           <a:p>
             <a:r>
-              <a:rPr lang="ru-RU" dirty="0"/>
-              <a:t>Редактировать и удалять книги</a:t>
-            </a:r>
-          </a:p>
-        </p:txBody>
-      </p:sp>
-      <p:sp>
-        <p:nvSpPr>
-          <p:cNvPr id="5" name="Объект 4"/>
-          <p:cNvSpPr>
-            <a:spLocks noGrp="1"/>
-          </p:cNvSpPr>
+              <a:rPr lang="ru-RU" dirty="0" smtClean="0"/>
+              <a:t>Персонаж</a:t>
+            </a:r>
+            <a:endParaRPr lang="ru-RU" dirty="0"/>
+          </a:p>
+        </p:txBody>
+      </p:sp>
+      <p:pic>
+        <p:nvPicPr>
+          <p:cNvPr id="3" name="Объект 2"/>
+          <p:cNvPicPr>
+            <a:picLocks noGrp="1" noChangeAspect="1"/>
+          </p:cNvPicPr>
           <p:nvPr>
             <p:ph sz="half" idx="2"/>
           </p:nvPr>
-        </p:nvSpPr>
+        </p:nvPicPr>
+        <p:blipFill>
+          <a:blip r:embed="rId2">
+            <a:extLst>
+              <a:ext uri="{28A0092B-C50C-407E-A947-70E740481C1C}">
+                <a14:useLocalDpi xmlns:a14="http://schemas.microsoft.com/office/drawing/2010/main" val="0"/>
+              </a:ext>
+            </a:extLst>
+          </a:blip>
+          <a:stretch>
+            <a:fillRect/>
+          </a:stretch>
+        </p:blipFill>
         <p:spPr>
           <a:xfrm>
-            <a:off x="4887667" y="2636912"/>
-            <a:ext cx="3788789" cy="3547417"/>
+            <a:off x="628650" y="3068960"/>
+            <a:ext cx="1841270" cy="2539682"/>
           </a:xfrm>
         </p:spPr>
-        <p:txBody>
-          <a:bodyPr>
-            <a:normAutofit/>
-          </a:bodyPr>
-          <a:lstStyle/>
-          <a:p>
-            <a:pPr marL="118872" indent="0">
+      </p:pic>
+      <p:sp>
+        <p:nvSpPr>
+          <p:cNvPr id="4" name="Объект 3">
+            <a:extLst>
+              <a:ext uri="{FF2B5EF4-FFF2-40B4-BE49-F238E27FC236}">
+                <a16:creationId xmlns:a16="http://schemas.microsoft.com/office/drawing/2014/main" id="{1FA2EB76-5A48-4001-AE3B-8212F282211E}"/>
+              </a:ext>
+            </a:extLst>
+          </p:cNvPr>
+          <p:cNvSpPr>
+            <a:spLocks noGrp="1"/>
+          </p:cNvSpPr>
+          <p:nvPr>
+            <p:ph sz="half" idx="1"/>
+          </p:nvPr>
+        </p:nvSpPr>
+        <p:spPr>
+          <a:xfrm>
+            <a:off x="628650" y="1825625"/>
+            <a:ext cx="7886700" cy="4351338"/>
+          </a:xfrm>
+        </p:spPr>
+        <p:txBody>
+          <a:bodyPr/>
+          <a:lstStyle/>
+          <a:p>
+            <a:pPr marL="0" indent="0">
               <a:buNone/>
             </a:pPr>
-            <a:endParaRPr lang="ru-RU" sz="2800" dirty="0"/>
-          </a:p>
-        </p:txBody>
-      </p:sp>
-      <p:sp>
-        <p:nvSpPr>
-          <p:cNvPr id="4" name="Объект 3">
-            <a:extLst>
-              <a:ext uri="{FF2B5EF4-FFF2-40B4-BE49-F238E27FC236}">
-                <a16:creationId xmlns:a16="http://schemas.microsoft.com/office/drawing/2014/main" id="{1FA2EB76-5A48-4001-AE3B-8212F282211E}"/>
-              </a:ext>
-            </a:extLst>
-          </p:cNvPr>
-          <p:cNvSpPr>
-            <a:spLocks noGrp="1"/>
-          </p:cNvSpPr>
-          <p:nvPr>
-            <p:ph sz="half" idx="1"/>
-          </p:nvPr>
-        </p:nvSpPr>
-        <p:spPr/>
-        <p:txBody>
-          <a:bodyPr/>
-          <a:lstStyle/>
-          <a:p>
-            <a:endParaRPr lang="ru-RU"/>
-          </a:p>
-        </p:txBody>
-      </p:sp>
+            <a:r>
+              <a:rPr lang="ru-RU" dirty="0" smtClean="0"/>
+              <a:t>Главным героем этой игры является школьник. Ниже приведены три его положения при перемещении по карте. </a:t>
+            </a:r>
+            <a:endParaRPr lang="ru-RU" dirty="0"/>
+          </a:p>
+        </p:txBody>
+      </p:sp>
+      <p:pic>
+        <p:nvPicPr>
+          <p:cNvPr id="6" name="Рисунок 5"/>
+          <p:cNvPicPr>
+            <a:picLocks noChangeAspect="1"/>
+          </p:cNvPicPr>
+          <p:nvPr/>
+        </p:nvPicPr>
+        <p:blipFill>
+          <a:blip r:embed="rId3">
+            <a:extLst>
+              <a:ext uri="{28A0092B-C50C-407E-A947-70E740481C1C}">
+                <a14:useLocalDpi xmlns:a14="http://schemas.microsoft.com/office/drawing/2010/main" val="0"/>
+              </a:ext>
+            </a:extLst>
+          </a:blip>
+          <a:stretch>
+            <a:fillRect/>
+          </a:stretch>
+        </p:blipFill>
+        <p:spPr>
+          <a:xfrm>
+            <a:off x="6300192" y="3049366"/>
+            <a:ext cx="1841270" cy="2539682"/>
+          </a:xfrm>
+          <a:prstGeom prst="rect">
+            <a:avLst/>
+          </a:prstGeom>
+        </p:spPr>
+      </p:pic>
+      <p:pic>
+        <p:nvPicPr>
+          <p:cNvPr id="7" name="Рисунок 6"/>
+          <p:cNvPicPr>
+            <a:picLocks noChangeAspect="1"/>
+          </p:cNvPicPr>
+          <p:nvPr/>
+        </p:nvPicPr>
+        <p:blipFill>
+          <a:blip r:embed="rId4">
+            <a:extLst>
+              <a:ext uri="{28A0092B-C50C-407E-A947-70E740481C1C}">
+                <a14:useLocalDpi xmlns:a14="http://schemas.microsoft.com/office/drawing/2010/main" val="0"/>
+              </a:ext>
+            </a:extLst>
+          </a:blip>
+          <a:stretch>
+            <a:fillRect/>
+          </a:stretch>
+        </p:blipFill>
+        <p:spPr>
+          <a:xfrm>
+            <a:off x="3873587" y="2924944"/>
+            <a:ext cx="1396825" cy="2539682"/>
+          </a:xfrm>
+          <a:prstGeom prst="rect">
+            <a:avLst/>
+          </a:prstGeom>
+        </p:spPr>
+      </p:pic>
     </p:spTree>
     <p:extLst>
       <p:ext uri="{BB962C8B-B14F-4D97-AF65-F5344CB8AC3E}">
@@ -3744,6 +3839,10 @@
           <a:bodyPr/>
           <a:lstStyle/>
           <a:p>
+            <a:r>
+              <a:rPr lang="ru-RU" dirty="0" smtClean="0"/>
+              <a:t>Школа</a:t>
+            </a:r>
             <a:endParaRPr lang="ru-RU" dirty="0"/>
           </a:p>
         </p:txBody>
@@ -3766,8 +3865,8 @@
         </p:nvSpPr>
         <p:spPr>
           <a:xfrm>
-            <a:off x="5423332" y="1628800"/>
-            <a:ext cx="3613164" cy="4800930"/>
+            <a:off x="628650" y="1628800"/>
+            <a:ext cx="8263830" cy="4800930"/>
           </a:xfrm>
         </p:spPr>
         <p:txBody>
@@ -3779,6 +3878,10 @@
             <a:pPr marL="0" indent="0">
               <a:buNone/>
             </a:pPr>
+            <a:r>
+              <a:rPr lang="ru-RU" sz="3200" dirty="0" smtClean="0"/>
+              <a:t>Местом действия является школа. </a:t>
+            </a:r>
             <a:endParaRPr lang="ru-RU" sz="3200" dirty="0"/>
           </a:p>
         </p:txBody>
@@ -3839,6 +3942,10 @@
           <a:bodyPr/>
           <a:lstStyle/>
           <a:p>
+            <a:r>
+              <a:rPr lang="ru-RU" dirty="0" smtClean="0"/>
+              <a:t>Как происходит рассказ?</a:t>
+            </a:r>
             <a:endParaRPr lang="ru-RU" dirty="0"/>
           </a:p>
         </p:txBody>
@@ -3861,8 +3968,8 @@
         </p:nvSpPr>
         <p:spPr>
           <a:xfrm>
-            <a:off x="5700261" y="1700808"/>
-            <a:ext cx="2945115" cy="4302204"/>
+            <a:off x="539552" y="1772816"/>
+            <a:ext cx="7992888" cy="4302204"/>
           </a:xfrm>
         </p:spPr>
         <p:txBody>
@@ -3874,6 +3981,26 @@
             <a:pPr marL="0" indent="0">
               <a:buNone/>
             </a:pPr>
+            <a:r>
+              <a:rPr lang="ru-RU" sz="2400" dirty="0" smtClean="0"/>
+              <a:t>Для рассказа истории нашего лицея мы подготовили файлы с вопросами которые хранятся в формате </a:t>
+            </a:r>
+            <a:r>
+              <a:rPr lang="en-US" sz="2400" dirty="0" smtClean="0"/>
+              <a:t>sqlite3</a:t>
+            </a:r>
+            <a:r>
+              <a:rPr lang="ru-RU" sz="2400" dirty="0" smtClean="0"/>
+              <a:t>.</a:t>
+            </a:r>
+            <a:r>
+              <a:rPr lang="en-US" sz="2400" dirty="0" smtClean="0"/>
+              <a:t> </a:t>
+            </a:r>
+            <a:r>
+              <a:rPr lang="ru-RU" sz="2400" dirty="0" smtClean="0"/>
+              <a:t>Рассказ будет происходить равномерно по мере прохождения игры. Как только игрок будет подходить к определенной точке на карте ему будет высвечиваться вопрос а ниже поле для ввода ответа. </a:t>
+            </a:r>
             <a:endParaRPr lang="ru-RU" sz="2400" dirty="0"/>
           </a:p>
         </p:txBody>
@@ -3924,6 +4051,93 @@
           <a:lstStyle/>
           <a:p>
             <a:r>
+              <a:rPr lang="ru-RU" dirty="0" smtClean="0"/>
+              <a:t>Запись результатов.</a:t>
+            </a:r>
+            <a:endParaRPr lang="ru-RU" dirty="0"/>
+          </a:p>
+        </p:txBody>
+      </p:sp>
+      <p:sp>
+        <p:nvSpPr>
+          <p:cNvPr id="3" name="Объект 2"/>
+          <p:cNvSpPr>
+            <a:spLocks noGrp="1"/>
+          </p:cNvSpPr>
+          <p:nvPr>
+            <p:ph idx="1"/>
+          </p:nvPr>
+        </p:nvSpPr>
+        <p:spPr/>
+        <p:txBody>
+          <a:bodyPr/>
+          <a:lstStyle/>
+          <a:p>
+            <a:pPr marL="0" indent="0">
+              <a:buNone/>
+            </a:pPr>
+            <a:r>
+              <a:rPr lang="ru-RU" dirty="0" smtClean="0"/>
+              <a:t>В начале игры будет выведено поле для ввода вашего </a:t>
+            </a:r>
+            <a:r>
+              <a:rPr lang="ru-RU" dirty="0" err="1" smtClean="0"/>
+              <a:t>никнейма</a:t>
+            </a:r>
+            <a:r>
+              <a:rPr lang="ru-RU" dirty="0" smtClean="0"/>
+              <a:t>. В конце Вам будут показано количество правильных ответов на вопросы, а игроки набравшие лучшие результаты будут записаны в топ. </a:t>
+            </a:r>
+            <a:endParaRPr lang="ru-RU" dirty="0"/>
+          </a:p>
+        </p:txBody>
+      </p:sp>
+    </p:spTree>
+    <p:extLst>
+      <p:ext uri="{BB962C8B-B14F-4D97-AF65-F5344CB8AC3E}">
+        <p14:creationId xmlns:p14="http://schemas.microsoft.com/office/powerpoint/2010/main" val="3274506002"/>
+      </p:ext>
+    </p:extLst>
+  </p:cSld>
+  <p:clrMapOvr>
+    <a:masterClrMapping/>
+  </p:clrMapOvr>
+</p:sld>
+</file>
+
+<file path=ppt/slides/slide8.xml><?xml version="1.0" encoding="utf-8"?>
+<p:sld xmlns:a="http://schemas.openxmlformats.org/drawingml/2006/main" xmlns:r="http://schemas.openxmlformats.org/officeDocument/2006/relationships" xmlns:p="http://schemas.openxmlformats.org/presentationml/2006/main">
+  <p:cSld>
+    <p:spTree>
+      <p:nvGrpSpPr>
+        <p:cNvPr id="1" name=""/>
+        <p:cNvGrpSpPr/>
+        <p:nvPr/>
+      </p:nvGrpSpPr>
+      <p:grpSpPr>
+        <a:xfrm>
+          <a:off x="0" y="0"/>
+          <a:ext cx="0" cy="0"/>
+          <a:chOff x="0" y="0"/>
+          <a:chExt cx="0" cy="0"/>
+        </a:xfrm>
+      </p:grpSpPr>
+      <p:sp>
+        <p:nvSpPr>
+          <p:cNvPr id="2" name="Заголовок 1"/>
+          <p:cNvSpPr>
+            <a:spLocks noGrp="1"/>
+          </p:cNvSpPr>
+          <p:nvPr>
+            <p:ph type="title"/>
+          </p:nvPr>
+        </p:nvSpPr>
+        <p:spPr/>
+        <p:txBody>
+          <a:bodyPr/>
+          <a:lstStyle/>
+          <a:p>
+            <a:r>
               <a:rPr lang="ru-RU" dirty="0"/>
               <a:t>Как устроена моя программа</a:t>
             </a:r>
@@ -4189,7 +4403,7 @@
 </p:sld>
 </file>
 
-<file path=ppt/slides/slide8.xml><?xml version="1.0" encoding="utf-8"?>
+<file path=ppt/slides/slide9.xml><?xml version="1.0" encoding="utf-8"?>
 <p:sld xmlns:a="http://schemas.openxmlformats.org/drawingml/2006/main" xmlns:r="http://schemas.openxmlformats.org/officeDocument/2006/relationships" xmlns:p="http://schemas.openxmlformats.org/presentationml/2006/main">
   <p:cSld>
     <p:spTree>

--- a/PresentationForProject.pptx
+++ b/PresentationForProject.pptx
@@ -278,7 +278,7 @@
           <a:p>
             <a:fld id="{1C6C5137-298B-4572-B216-1B177E9C93A2}" type="datetimeFigureOut">
               <a:rPr lang="ru-RU" smtClean="0"/>
-              <a:t>13.01.2021</a:t>
+              <a:t>14.01.2021</a:t>
             </a:fld>
             <a:endParaRPr lang="ru-RU" dirty="0"/>
           </a:p>
@@ -476,7 +476,7 @@
           <a:p>
             <a:fld id="{1C6C5137-298B-4572-B216-1B177E9C93A2}" type="datetimeFigureOut">
               <a:rPr lang="ru-RU" smtClean="0"/>
-              <a:t>13.01.2021</a:t>
+              <a:t>14.01.2021</a:t>
             </a:fld>
             <a:endParaRPr lang="ru-RU" dirty="0"/>
           </a:p>
@@ -684,7 +684,7 @@
           <a:p>
             <a:fld id="{1C6C5137-298B-4572-B216-1B177E9C93A2}" type="datetimeFigureOut">
               <a:rPr lang="ru-RU" smtClean="0"/>
-              <a:t>13.01.2021</a:t>
+              <a:t>14.01.2021</a:t>
             </a:fld>
             <a:endParaRPr lang="ru-RU" dirty="0"/>
           </a:p>
@@ -882,7 +882,7 @@
           <a:p>
             <a:fld id="{1C6C5137-298B-4572-B216-1B177E9C93A2}" type="datetimeFigureOut">
               <a:rPr lang="ru-RU" smtClean="0"/>
-              <a:t>13.01.2021</a:t>
+              <a:t>14.01.2021</a:t>
             </a:fld>
             <a:endParaRPr lang="ru-RU" dirty="0"/>
           </a:p>
@@ -1157,7 +1157,7 @@
           <a:p>
             <a:fld id="{1C6C5137-298B-4572-B216-1B177E9C93A2}" type="datetimeFigureOut">
               <a:rPr lang="ru-RU" smtClean="0"/>
-              <a:t>13.01.2021</a:t>
+              <a:t>14.01.2021</a:t>
             </a:fld>
             <a:endParaRPr lang="ru-RU" dirty="0"/>
           </a:p>
@@ -1422,7 +1422,7 @@
           <a:p>
             <a:fld id="{1C6C5137-298B-4572-B216-1B177E9C93A2}" type="datetimeFigureOut">
               <a:rPr lang="ru-RU" smtClean="0"/>
-              <a:t>13.01.2021</a:t>
+              <a:t>14.01.2021</a:t>
             </a:fld>
             <a:endParaRPr lang="ru-RU" dirty="0"/>
           </a:p>
@@ -1834,7 +1834,7 @@
           <a:p>
             <a:fld id="{1C6C5137-298B-4572-B216-1B177E9C93A2}" type="datetimeFigureOut">
               <a:rPr lang="ru-RU" smtClean="0"/>
-              <a:t>13.01.2021</a:t>
+              <a:t>14.01.2021</a:t>
             </a:fld>
             <a:endParaRPr lang="ru-RU" dirty="0"/>
           </a:p>
@@ -1975,7 +1975,7 @@
           <a:p>
             <a:fld id="{1C6C5137-298B-4572-B216-1B177E9C93A2}" type="datetimeFigureOut">
               <a:rPr lang="ru-RU" smtClean="0"/>
-              <a:t>13.01.2021</a:t>
+              <a:t>14.01.2021</a:t>
             </a:fld>
             <a:endParaRPr lang="ru-RU" dirty="0"/>
           </a:p>
@@ -2088,7 +2088,7 @@
           <a:p>
             <a:fld id="{1C6C5137-298B-4572-B216-1B177E9C93A2}" type="datetimeFigureOut">
               <a:rPr lang="ru-RU" smtClean="0"/>
-              <a:t>13.01.2021</a:t>
+              <a:t>14.01.2021</a:t>
             </a:fld>
             <a:endParaRPr lang="ru-RU" dirty="0"/>
           </a:p>
@@ -2399,7 +2399,7 @@
           <a:p>
             <a:fld id="{1C6C5137-298B-4572-B216-1B177E9C93A2}" type="datetimeFigureOut">
               <a:rPr lang="ru-RU" smtClean="0"/>
-              <a:t>13.01.2021</a:t>
+              <a:t>14.01.2021</a:t>
             </a:fld>
             <a:endParaRPr lang="ru-RU" dirty="0"/>
           </a:p>
@@ -2687,7 +2687,7 @@
           <a:p>
             <a:fld id="{1C6C5137-298B-4572-B216-1B177E9C93A2}" type="datetimeFigureOut">
               <a:rPr lang="ru-RU" smtClean="0"/>
-              <a:t>13.01.2021</a:t>
+              <a:t>14.01.2021</a:t>
             </a:fld>
             <a:endParaRPr lang="ru-RU" dirty="0"/>
           </a:p>
@@ -2928,7 +2928,7 @@
           <a:p>
             <a:fld id="{1C6C5137-298B-4572-B216-1B177E9C93A2}" type="datetimeFigureOut">
               <a:rPr lang="ru-RU" smtClean="0"/>
-              <a:t>13.01.2021</a:t>
+              <a:t>14.01.2021</a:t>
             </a:fld>
             <a:endParaRPr lang="ru-RU" dirty="0"/>
           </a:p>
@@ -3374,15 +3374,7 @@
             </a:r>
             <a:r>
               <a:rPr lang="ru-RU" sz="4800"/>
-              <a:t>лицея </a:t>
-            </a:r>
-            <a:r>
-              <a:rPr lang="ru-RU" sz="4800"/>
-              <a:t>№</a:t>
-            </a:r>
-            <a:r>
-              <a:rPr lang="ru-RU" sz="4800" smtClean="0"/>
-              <a:t>393</a:t>
+              <a:t>лицея №393</a:t>
             </a:r>
             <a:endParaRPr lang="ru-RU" sz="4800" dirty="0"/>
           </a:p>
@@ -3596,15 +3588,7 @@
           <a:p>
             <a:r>
               <a:rPr lang="ru-RU" dirty="0"/>
-              <a:t>Давайте рассмотрим </a:t>
-            </a:r>
-            <a:r>
-              <a:rPr lang="ru-RU" dirty="0" smtClean="0"/>
-              <a:t>некоторые аспекты </a:t>
-            </a:r>
-            <a:r>
-              <a:rPr lang="ru-RU" dirty="0"/>
-              <a:t>подробнее</a:t>
+              <a:t>Давайте рассмотрим некоторые аспекты подробнее</a:t>
             </a:r>
           </a:p>
         </p:txBody>
@@ -3655,10 +3639,9 @@
           <a:lstStyle/>
           <a:p>
             <a:r>
-              <a:rPr lang="ru-RU" dirty="0" smtClean="0"/>
+              <a:rPr lang="ru-RU" dirty="0"/>
               <a:t>Персонаж</a:t>
             </a:r>
-            <a:endParaRPr lang="ru-RU" dirty="0"/>
           </a:p>
         </p:txBody>
       </p:sp>
@@ -3721,10 +3704,9 @@
               <a:buNone/>
             </a:pPr>
             <a:r>
-              <a:rPr lang="ru-RU" dirty="0" smtClean="0"/>
+              <a:rPr lang="ru-RU" dirty="0"/>
               <a:t>Главным героем этой игры является школьник. Ниже приведены три его положения при перемещении по карте. </a:t>
             </a:r>
-            <a:endParaRPr lang="ru-RU" dirty="0"/>
           </a:p>
         </p:txBody>
       </p:sp>
@@ -3840,10 +3822,9 @@
           <a:lstStyle/>
           <a:p>
             <a:r>
-              <a:rPr lang="ru-RU" dirty="0" smtClean="0"/>
+              <a:rPr lang="ru-RU" dirty="0"/>
               <a:t>Школа</a:t>
             </a:r>
-            <a:endParaRPr lang="ru-RU" dirty="0"/>
           </a:p>
         </p:txBody>
       </p:sp>
@@ -3879,13 +3860,42 @@
               <a:buNone/>
             </a:pPr>
             <a:r>
-              <a:rPr lang="ru-RU" sz="3200" dirty="0" smtClean="0"/>
+              <a:rPr lang="ru-RU" sz="3200" dirty="0"/>
               <a:t>Местом действия является школа. </a:t>
             </a:r>
-            <a:endParaRPr lang="ru-RU" sz="3200" dirty="0"/>
-          </a:p>
-        </p:txBody>
-      </p:sp>
+          </a:p>
+        </p:txBody>
+      </p:sp>
+      <p:pic>
+        <p:nvPicPr>
+          <p:cNvPr id="5" name="Рисунок 4">
+            <a:extLst>
+              <a:ext uri="{FF2B5EF4-FFF2-40B4-BE49-F238E27FC236}">
+                <a16:creationId xmlns:a16="http://schemas.microsoft.com/office/drawing/2014/main" id="{EAF0D1CE-F416-4184-9B18-33E55E6BF45D}"/>
+              </a:ext>
+            </a:extLst>
+          </p:cNvPr>
+          <p:cNvPicPr>
+            <a:picLocks noChangeAspect="1"/>
+          </p:cNvPicPr>
+          <p:nvPr/>
+        </p:nvPicPr>
+        <p:blipFill>
+          <a:blip r:embed="rId2"/>
+          <a:stretch>
+            <a:fillRect/>
+          </a:stretch>
+        </p:blipFill>
+        <p:spPr>
+          <a:xfrm>
+            <a:off x="899592" y="2348880"/>
+            <a:ext cx="7020272" cy="3942315"/>
+          </a:xfrm>
+          <a:prstGeom prst="rect">
+            <a:avLst/>
+          </a:prstGeom>
+        </p:spPr>
+      </p:pic>
     </p:spTree>
     <p:extLst>
       <p:ext uri="{BB962C8B-B14F-4D97-AF65-F5344CB8AC3E}">
@@ -3943,10 +3953,9 @@
           <a:lstStyle/>
           <a:p>
             <a:r>
-              <a:rPr lang="ru-RU" dirty="0" smtClean="0"/>
+              <a:rPr lang="ru-RU" dirty="0"/>
               <a:t>Как происходит рассказ?</a:t>
             </a:r>
-            <a:endParaRPr lang="ru-RU" dirty="0"/>
           </a:p>
         </p:txBody>
       </p:sp>
@@ -3982,26 +3991,25 @@
               <a:buNone/>
             </a:pPr>
             <a:r>
-              <a:rPr lang="ru-RU" sz="2400" dirty="0" smtClean="0"/>
+              <a:rPr lang="ru-RU" sz="2400" dirty="0"/>
               <a:t>Для рассказа истории нашего лицея мы подготовили файлы с вопросами которые хранятся в формате </a:t>
             </a:r>
             <a:r>
-              <a:rPr lang="en-US" sz="2400" dirty="0" smtClean="0"/>
+              <a:rPr lang="en-US" sz="2400" dirty="0"/>
               <a:t>sqlite3</a:t>
             </a:r>
             <a:r>
-              <a:rPr lang="ru-RU" sz="2400" dirty="0" smtClean="0"/>
+              <a:rPr lang="ru-RU" sz="2400" dirty="0"/>
               <a:t>.</a:t>
             </a:r>
             <a:r>
-              <a:rPr lang="en-US" sz="2400" dirty="0" smtClean="0"/>
+              <a:rPr lang="en-US" sz="2400" dirty="0"/>
               <a:t> </a:t>
             </a:r>
             <a:r>
-              <a:rPr lang="ru-RU" sz="2400" dirty="0" smtClean="0"/>
+              <a:rPr lang="ru-RU" sz="2400" dirty="0"/>
               <a:t>Рассказ будет происходить равномерно по мере прохождения игры. Как только игрок будет подходить к определенной точке на карте ему будет высвечиваться вопрос а ниже поле для ввода ответа. </a:t>
             </a:r>
-            <a:endParaRPr lang="ru-RU" sz="2400" dirty="0"/>
           </a:p>
         </p:txBody>
       </p:sp>
@@ -4051,10 +4059,9 @@
           <a:lstStyle/>
           <a:p>
             <a:r>
-              <a:rPr lang="ru-RU" dirty="0" smtClean="0"/>
+              <a:rPr lang="ru-RU" dirty="0"/>
               <a:t>Запись результатов.</a:t>
             </a:r>
-            <a:endParaRPr lang="ru-RU" dirty="0"/>
           </a:p>
         </p:txBody>
       </p:sp>
@@ -4077,18 +4084,17 @@
               <a:buNone/>
             </a:pPr>
             <a:r>
-              <a:rPr lang="ru-RU" dirty="0" smtClean="0"/>
+              <a:rPr lang="ru-RU" dirty="0"/>
               <a:t>В начале игры будет выведено поле для ввода вашего </a:t>
             </a:r>
             <a:r>
-              <a:rPr lang="ru-RU" dirty="0" err="1" smtClean="0"/>
+              <a:rPr lang="ru-RU" dirty="0" err="1"/>
               <a:t>никнейма</a:t>
             </a:r>
             <a:r>
-              <a:rPr lang="ru-RU" dirty="0" smtClean="0"/>
+              <a:rPr lang="ru-RU" dirty="0"/>
               <a:t>. В конце Вам будут показано количество правильных ответов на вопросы, а игроки набравшие лучшие результаты будут записаны в топ. </a:t>
             </a:r>
-            <a:endParaRPr lang="ru-RU" dirty="0"/>
           </a:p>
         </p:txBody>
       </p:sp>
@@ -4188,7 +4194,7 @@
             </a:pPr>
             <a:r>
               <a:rPr lang="ru-RU" dirty="0"/>
-              <a:t>Функции</a:t>
+              <a:t>Функции и Классы</a:t>
             </a:r>
             <a:r>
               <a:rPr lang="en-US" dirty="0"/>
@@ -4373,7 +4379,7 @@
               <a:t>_</a:t>
             </a:r>
             <a:r>
-              <a:rPr lang="en-US" sz="1800">
+              <a:rPr lang="en-US" sz="1800" dirty="0">
                 <a:effectLst/>
                 <a:latin typeface="Times New Roman" panose="02020603050405020304" pitchFamily="18" charset="0"/>
                 <a:ea typeface="Calibri" panose="020F0502020204030204" pitchFamily="34" charset="0"/>
@@ -4381,12 +4387,38 @@
               </a:rPr>
               <a:t>results</a:t>
             </a:r>
-            <a:endParaRPr lang="ru-RU" sz="1800">
+            <a:endParaRPr lang="ru-RU" sz="1800" dirty="0">
               <a:effectLst/>
-              <a:latin typeface="Calibri" panose="020F0502020204030204" pitchFamily="34" charset="0"/>
+              <a:latin typeface="Times New Roman" panose="02020603050405020304" pitchFamily="18" charset="0"/>
               <a:ea typeface="Calibri" panose="020F0502020204030204" pitchFamily="34" charset="0"/>
               <a:cs typeface="Times New Roman" panose="02020603050405020304" pitchFamily="18" charset="0"/>
             </a:endParaRPr>
+          </a:p>
+          <a:p>
+            <a:pPr marL="342900" indent="-342900">
+              <a:lnSpc>
+                <a:spcPct val="107000"/>
+              </a:lnSpc>
+              <a:buFont typeface="Symbol" panose="05050102010706020507" pitchFamily="18" charset="2"/>
+              <a:buChar char=""/>
+            </a:pPr>
+            <a:r>
+              <a:rPr lang="en-US" sz="1800" dirty="0">
+                <a:effectLst/>
+                <a:latin typeface="Calibri" panose="020F0502020204030204" pitchFamily="34" charset="0"/>
+                <a:ea typeface="Calibri" panose="020F0502020204030204" pitchFamily="34" charset="0"/>
+                <a:cs typeface="Times New Roman" panose="02020603050405020304" pitchFamily="18" charset="0"/>
+              </a:rPr>
+              <a:t>Question – </a:t>
+            </a:r>
+            <a:r>
+              <a:rPr lang="ru-RU" sz="1800" dirty="0">
+                <a:latin typeface="Calibri" panose="020F0502020204030204" pitchFamily="34" charset="0"/>
+                <a:ea typeface="Calibri" panose="020F0502020204030204" pitchFamily="34" charset="0"/>
+                <a:cs typeface="Times New Roman" panose="02020603050405020304" pitchFamily="18" charset="0"/>
+              </a:rPr>
+              <a:t>показывает информацию</a:t>
+            </a:r>
           </a:p>
         </p:txBody>
       </p:sp>
